--- a/slides/7 - ASP.NET Core.pptx
+++ b/slides/7 - ASP.NET Core.pptx
@@ -119,6 +119,11 @@
       </a:defRPr>
     </a:lvl9pPr>
   </p:defaultTextStyle>
+  <p:extLst>
+    <p:ext uri="{EFAFB233-063F-42B5-8137-9DF3F51BA10A}">
+      <p15:sldGuideLst xmlns:p15="http://schemas.microsoft.com/office/powerpoint/2012/main"/>
+    </p:ext>
+  </p:extLst>
 </p:presentation>
 </file>
 
@@ -204,7 +209,7 @@
           <a:p>
             <a:fld id="{D5C77B4C-2806-344A-B40F-B0CEA12091AC}" type="datetimeFigureOut">
               <a:rPr lang="en-US" smtClean="0"/>
-              <a:t>5/17/16</a:t>
+              <a:t>5/17/2016</a:t>
             </a:fld>
             <a:endParaRPr lang="en-US"/>
           </a:p>
@@ -268,38 +273,37 @@
           <a:p>
             <a:pPr lvl="0"/>
             <a:r>
-              <a:rPr lang="en-US" smtClean="0"/>
+              <a:rPr lang="en-US"/>
               <a:t>Click to edit Master text styles</a:t>
             </a:r>
           </a:p>
           <a:p>
             <a:pPr lvl="1"/>
             <a:r>
-              <a:rPr lang="en-US" smtClean="0"/>
+              <a:rPr lang="en-US"/>
               <a:t>Second level</a:t>
             </a:r>
           </a:p>
           <a:p>
             <a:pPr lvl="2"/>
             <a:r>
-              <a:rPr lang="en-US" smtClean="0"/>
+              <a:rPr lang="en-US"/>
               <a:t>Third level</a:t>
             </a:r>
           </a:p>
           <a:p>
             <a:pPr lvl="3"/>
             <a:r>
-              <a:rPr lang="en-US" smtClean="0"/>
+              <a:rPr lang="en-US"/>
               <a:t>Fourth level</a:t>
             </a:r>
           </a:p>
           <a:p>
             <a:pPr lvl="4"/>
             <a:r>
-              <a:rPr lang="en-US" smtClean="0"/>
+              <a:rPr lang="en-US"/>
               <a:t>Fifth level</a:t>
             </a:r>
-            <a:endParaRPr lang="en-US"/>
           </a:p>
         </p:txBody>
       </p:sp>
@@ -766,10 +770,9 @@
           </a:lstStyle>
           <a:p>
             <a:r>
-              <a:rPr lang="en-US" smtClean="0"/>
+              <a:rPr lang="en-US"/>
               <a:t>Click to edit Master title style</a:t>
             </a:r>
-            <a:endParaRPr lang="en-US"/>
           </a:p>
         </p:txBody>
       </p:sp>
@@ -831,10 +834,9 @@
           </a:lstStyle>
           <a:p>
             <a:r>
-              <a:rPr lang="en-US" smtClean="0"/>
+              <a:rPr lang="en-US"/>
               <a:t>Click to edit Master subtitle style</a:t>
             </a:r>
-            <a:endParaRPr lang="en-US"/>
           </a:p>
         </p:txBody>
       </p:sp>
@@ -855,7 +857,7 @@
           <a:p>
             <a:fld id="{0CD83863-CE2B-3348-B3AA-BE48A5C5AE5E}" type="datetimeFigureOut">
               <a:rPr lang="en-US" smtClean="0"/>
-              <a:t>5/17/16</a:t>
+              <a:t>5/17/2016</a:t>
             </a:fld>
             <a:endParaRPr lang="en-US"/>
           </a:p>
@@ -949,10 +951,9 @@
           <a:lstStyle/>
           <a:p>
             <a:r>
-              <a:rPr lang="en-US" smtClean="0"/>
+              <a:rPr lang="en-US"/>
               <a:t>Click to edit Master title style</a:t>
             </a:r>
-            <a:endParaRPr lang="en-US"/>
           </a:p>
         </p:txBody>
       </p:sp>
@@ -973,38 +974,37 @@
           <a:p>
             <a:pPr lvl="0"/>
             <a:r>
-              <a:rPr lang="en-US" smtClean="0"/>
+              <a:rPr lang="en-US"/>
               <a:t>Click to edit Master text styles</a:t>
             </a:r>
           </a:p>
           <a:p>
             <a:pPr lvl="1"/>
             <a:r>
-              <a:rPr lang="en-US" smtClean="0"/>
+              <a:rPr lang="en-US"/>
               <a:t>Second level</a:t>
             </a:r>
           </a:p>
           <a:p>
             <a:pPr lvl="2"/>
             <a:r>
-              <a:rPr lang="en-US" smtClean="0"/>
+              <a:rPr lang="en-US"/>
               <a:t>Third level</a:t>
             </a:r>
           </a:p>
           <a:p>
             <a:pPr lvl="3"/>
             <a:r>
-              <a:rPr lang="en-US" smtClean="0"/>
+              <a:rPr lang="en-US"/>
               <a:t>Fourth level</a:t>
             </a:r>
           </a:p>
           <a:p>
             <a:pPr lvl="4"/>
             <a:r>
-              <a:rPr lang="en-US" smtClean="0"/>
+              <a:rPr lang="en-US"/>
               <a:t>Fifth level</a:t>
             </a:r>
-            <a:endParaRPr lang="en-US"/>
           </a:p>
         </p:txBody>
       </p:sp>
@@ -1025,7 +1025,7 @@
           <a:p>
             <a:fld id="{0CD83863-CE2B-3348-B3AA-BE48A5C5AE5E}" type="datetimeFigureOut">
               <a:rPr lang="en-US" smtClean="0"/>
-              <a:t>5/17/16</a:t>
+              <a:t>5/17/2016</a:t>
             </a:fld>
             <a:endParaRPr lang="en-US"/>
           </a:p>
@@ -1124,10 +1124,9 @@
           <a:lstStyle/>
           <a:p>
             <a:r>
-              <a:rPr lang="en-US" smtClean="0"/>
+              <a:rPr lang="en-US"/>
               <a:t>Click to edit Master title style</a:t>
             </a:r>
-            <a:endParaRPr lang="en-US"/>
           </a:p>
         </p:txBody>
       </p:sp>
@@ -1153,38 +1152,37 @@
           <a:p>
             <a:pPr lvl="0"/>
             <a:r>
-              <a:rPr lang="en-US" smtClean="0"/>
+              <a:rPr lang="en-US"/>
               <a:t>Click to edit Master text styles</a:t>
             </a:r>
           </a:p>
           <a:p>
             <a:pPr lvl="1"/>
             <a:r>
-              <a:rPr lang="en-US" smtClean="0"/>
+              <a:rPr lang="en-US"/>
               <a:t>Second level</a:t>
             </a:r>
           </a:p>
           <a:p>
             <a:pPr lvl="2"/>
             <a:r>
-              <a:rPr lang="en-US" smtClean="0"/>
+              <a:rPr lang="en-US"/>
               <a:t>Third level</a:t>
             </a:r>
           </a:p>
           <a:p>
             <a:pPr lvl="3"/>
             <a:r>
-              <a:rPr lang="en-US" smtClean="0"/>
+              <a:rPr lang="en-US"/>
               <a:t>Fourth level</a:t>
             </a:r>
           </a:p>
           <a:p>
             <a:pPr lvl="4"/>
             <a:r>
-              <a:rPr lang="en-US" smtClean="0"/>
+              <a:rPr lang="en-US"/>
               <a:t>Fifth level</a:t>
             </a:r>
-            <a:endParaRPr lang="en-US"/>
           </a:p>
         </p:txBody>
       </p:sp>
@@ -1205,7 +1203,7 @@
           <a:p>
             <a:fld id="{0CD83863-CE2B-3348-B3AA-BE48A5C5AE5E}" type="datetimeFigureOut">
               <a:rPr lang="en-US" smtClean="0"/>
-              <a:t>5/17/16</a:t>
+              <a:t>5/17/2016</a:t>
             </a:fld>
             <a:endParaRPr lang="en-US"/>
           </a:p>
@@ -1299,10 +1297,9 @@
           <a:lstStyle/>
           <a:p>
             <a:r>
-              <a:rPr lang="en-US" smtClean="0"/>
+              <a:rPr lang="en-US"/>
               <a:t>Click to edit Master title style</a:t>
             </a:r>
-            <a:endParaRPr lang="en-US"/>
           </a:p>
         </p:txBody>
       </p:sp>
@@ -1323,38 +1320,37 @@
           <a:p>
             <a:pPr lvl="0"/>
             <a:r>
-              <a:rPr lang="en-US" smtClean="0"/>
+              <a:rPr lang="en-US"/>
               <a:t>Click to edit Master text styles</a:t>
             </a:r>
           </a:p>
           <a:p>
             <a:pPr lvl="1"/>
             <a:r>
-              <a:rPr lang="en-US" smtClean="0"/>
+              <a:rPr lang="en-US"/>
               <a:t>Second level</a:t>
             </a:r>
           </a:p>
           <a:p>
             <a:pPr lvl="2"/>
             <a:r>
-              <a:rPr lang="en-US" smtClean="0"/>
+              <a:rPr lang="en-US"/>
               <a:t>Third level</a:t>
             </a:r>
           </a:p>
           <a:p>
             <a:pPr lvl="3"/>
             <a:r>
-              <a:rPr lang="en-US" smtClean="0"/>
+              <a:rPr lang="en-US"/>
               <a:t>Fourth level</a:t>
             </a:r>
           </a:p>
           <a:p>
             <a:pPr lvl="4"/>
             <a:r>
-              <a:rPr lang="en-US" smtClean="0"/>
+              <a:rPr lang="en-US"/>
               <a:t>Fifth level</a:t>
             </a:r>
-            <a:endParaRPr lang="en-US"/>
           </a:p>
         </p:txBody>
       </p:sp>
@@ -1375,7 +1371,7 @@
           <a:p>
             <a:fld id="{0CD83863-CE2B-3348-B3AA-BE48A5C5AE5E}" type="datetimeFigureOut">
               <a:rPr lang="en-US" smtClean="0"/>
-              <a:t>5/17/16</a:t>
+              <a:t>5/17/2016</a:t>
             </a:fld>
             <a:endParaRPr lang="en-US"/>
           </a:p>
@@ -1478,10 +1474,9 @@
           </a:lstStyle>
           <a:p>
             <a:r>
-              <a:rPr lang="en-US" smtClean="0"/>
+              <a:rPr lang="en-US"/>
               <a:t>Click to edit Master title style</a:t>
             </a:r>
-            <a:endParaRPr lang="en-US"/>
           </a:p>
         </p:txBody>
       </p:sp>
@@ -1598,7 +1593,7 @@
           <a:p>
             <a:pPr lvl="0"/>
             <a:r>
-              <a:rPr lang="en-US" smtClean="0"/>
+              <a:rPr lang="en-US"/>
               <a:t>Click to edit Master text styles</a:t>
             </a:r>
           </a:p>
@@ -1621,7 +1616,7 @@
           <a:p>
             <a:fld id="{0CD83863-CE2B-3348-B3AA-BE48A5C5AE5E}" type="datetimeFigureOut">
               <a:rPr lang="en-US" smtClean="0"/>
-              <a:t>5/17/16</a:t>
+              <a:t>5/17/2016</a:t>
             </a:fld>
             <a:endParaRPr lang="en-US"/>
           </a:p>
@@ -1715,10 +1710,9 @@
           <a:lstStyle/>
           <a:p>
             <a:r>
-              <a:rPr lang="en-US" smtClean="0"/>
+              <a:rPr lang="en-US"/>
               <a:t>Click to edit Master title style</a:t>
             </a:r>
-            <a:endParaRPr lang="en-US"/>
           </a:p>
         </p:txBody>
       </p:sp>
@@ -1744,38 +1738,37 @@
           <a:p>
             <a:pPr lvl="0"/>
             <a:r>
-              <a:rPr lang="en-US" smtClean="0"/>
+              <a:rPr lang="en-US"/>
               <a:t>Click to edit Master text styles</a:t>
             </a:r>
           </a:p>
           <a:p>
             <a:pPr lvl="1"/>
             <a:r>
-              <a:rPr lang="en-US" smtClean="0"/>
+              <a:rPr lang="en-US"/>
               <a:t>Second level</a:t>
             </a:r>
           </a:p>
           <a:p>
             <a:pPr lvl="2"/>
             <a:r>
-              <a:rPr lang="en-US" smtClean="0"/>
+              <a:rPr lang="en-US"/>
               <a:t>Third level</a:t>
             </a:r>
           </a:p>
           <a:p>
             <a:pPr lvl="3"/>
             <a:r>
-              <a:rPr lang="en-US" smtClean="0"/>
+              <a:rPr lang="en-US"/>
               <a:t>Fourth level</a:t>
             </a:r>
           </a:p>
           <a:p>
             <a:pPr lvl="4"/>
             <a:r>
-              <a:rPr lang="en-US" smtClean="0"/>
+              <a:rPr lang="en-US"/>
               <a:t>Fifth level</a:t>
             </a:r>
-            <a:endParaRPr lang="en-US"/>
           </a:p>
         </p:txBody>
       </p:sp>
@@ -1801,38 +1794,37 @@
           <a:p>
             <a:pPr lvl="0"/>
             <a:r>
-              <a:rPr lang="en-US" smtClean="0"/>
+              <a:rPr lang="en-US"/>
               <a:t>Click to edit Master text styles</a:t>
             </a:r>
           </a:p>
           <a:p>
             <a:pPr lvl="1"/>
             <a:r>
-              <a:rPr lang="en-US" smtClean="0"/>
+              <a:rPr lang="en-US"/>
               <a:t>Second level</a:t>
             </a:r>
           </a:p>
           <a:p>
             <a:pPr lvl="2"/>
             <a:r>
-              <a:rPr lang="en-US" smtClean="0"/>
+              <a:rPr lang="en-US"/>
               <a:t>Third level</a:t>
             </a:r>
           </a:p>
           <a:p>
             <a:pPr lvl="3"/>
             <a:r>
-              <a:rPr lang="en-US" smtClean="0"/>
+              <a:rPr lang="en-US"/>
               <a:t>Fourth level</a:t>
             </a:r>
           </a:p>
           <a:p>
             <a:pPr lvl="4"/>
             <a:r>
-              <a:rPr lang="en-US" smtClean="0"/>
+              <a:rPr lang="en-US"/>
               <a:t>Fifth level</a:t>
             </a:r>
-            <a:endParaRPr lang="en-US"/>
           </a:p>
         </p:txBody>
       </p:sp>
@@ -1853,7 +1845,7 @@
           <a:p>
             <a:fld id="{0CD83863-CE2B-3348-B3AA-BE48A5C5AE5E}" type="datetimeFigureOut">
               <a:rPr lang="en-US" smtClean="0"/>
-              <a:t>5/17/16</a:t>
+              <a:t>5/17/2016</a:t>
             </a:fld>
             <a:endParaRPr lang="en-US"/>
           </a:p>
@@ -1952,10 +1944,9 @@
           <a:lstStyle/>
           <a:p>
             <a:r>
-              <a:rPr lang="en-US" smtClean="0"/>
+              <a:rPr lang="en-US"/>
               <a:t>Click to edit Master title style</a:t>
             </a:r>
-            <a:endParaRPr lang="en-US"/>
           </a:p>
         </p:txBody>
       </p:sp>
@@ -2018,7 +2009,7 @@
           <a:p>
             <a:pPr lvl="0"/>
             <a:r>
-              <a:rPr lang="en-US" smtClean="0"/>
+              <a:rPr lang="en-US"/>
               <a:t>Click to edit Master text styles</a:t>
             </a:r>
           </a:p>
@@ -2046,38 +2037,37 @@
           <a:p>
             <a:pPr lvl="0"/>
             <a:r>
-              <a:rPr lang="en-US" smtClean="0"/>
+              <a:rPr lang="en-US"/>
               <a:t>Click to edit Master text styles</a:t>
             </a:r>
           </a:p>
           <a:p>
             <a:pPr lvl="1"/>
             <a:r>
-              <a:rPr lang="en-US" smtClean="0"/>
+              <a:rPr lang="en-US"/>
               <a:t>Second level</a:t>
             </a:r>
           </a:p>
           <a:p>
             <a:pPr lvl="2"/>
             <a:r>
-              <a:rPr lang="en-US" smtClean="0"/>
+              <a:rPr lang="en-US"/>
               <a:t>Third level</a:t>
             </a:r>
           </a:p>
           <a:p>
             <a:pPr lvl="3"/>
             <a:r>
-              <a:rPr lang="en-US" smtClean="0"/>
+              <a:rPr lang="en-US"/>
               <a:t>Fourth level</a:t>
             </a:r>
           </a:p>
           <a:p>
             <a:pPr lvl="4"/>
             <a:r>
-              <a:rPr lang="en-US" smtClean="0"/>
+              <a:rPr lang="en-US"/>
               <a:t>Fifth level</a:t>
             </a:r>
-            <a:endParaRPr lang="en-US"/>
           </a:p>
         </p:txBody>
       </p:sp>
@@ -2140,7 +2130,7 @@
           <a:p>
             <a:pPr lvl="0"/>
             <a:r>
-              <a:rPr lang="en-US" smtClean="0"/>
+              <a:rPr lang="en-US"/>
               <a:t>Click to edit Master text styles</a:t>
             </a:r>
           </a:p>
@@ -2168,38 +2158,37 @@
           <a:p>
             <a:pPr lvl="0"/>
             <a:r>
-              <a:rPr lang="en-US" smtClean="0"/>
+              <a:rPr lang="en-US"/>
               <a:t>Click to edit Master text styles</a:t>
             </a:r>
           </a:p>
           <a:p>
             <a:pPr lvl="1"/>
             <a:r>
-              <a:rPr lang="en-US" smtClean="0"/>
+              <a:rPr lang="en-US"/>
               <a:t>Second level</a:t>
             </a:r>
           </a:p>
           <a:p>
             <a:pPr lvl="2"/>
             <a:r>
-              <a:rPr lang="en-US" smtClean="0"/>
+              <a:rPr lang="en-US"/>
               <a:t>Third level</a:t>
             </a:r>
           </a:p>
           <a:p>
             <a:pPr lvl="3"/>
             <a:r>
-              <a:rPr lang="en-US" smtClean="0"/>
+              <a:rPr lang="en-US"/>
               <a:t>Fourth level</a:t>
             </a:r>
           </a:p>
           <a:p>
             <a:pPr lvl="4"/>
             <a:r>
-              <a:rPr lang="en-US" smtClean="0"/>
+              <a:rPr lang="en-US"/>
               <a:t>Fifth level</a:t>
             </a:r>
-            <a:endParaRPr lang="en-US"/>
           </a:p>
         </p:txBody>
       </p:sp>
@@ -2220,7 +2209,7 @@
           <a:p>
             <a:fld id="{0CD83863-CE2B-3348-B3AA-BE48A5C5AE5E}" type="datetimeFigureOut">
               <a:rPr lang="en-US" smtClean="0"/>
-              <a:t>5/17/16</a:t>
+              <a:t>5/17/2016</a:t>
             </a:fld>
             <a:endParaRPr lang="en-US"/>
           </a:p>
@@ -2314,10 +2303,9 @@
           <a:lstStyle/>
           <a:p>
             <a:r>
-              <a:rPr lang="en-US" smtClean="0"/>
+              <a:rPr lang="en-US"/>
               <a:t>Click to edit Master title style</a:t>
             </a:r>
-            <a:endParaRPr lang="en-US"/>
           </a:p>
         </p:txBody>
       </p:sp>
@@ -2338,7 +2326,7 @@
           <a:p>
             <a:fld id="{0CD83863-CE2B-3348-B3AA-BE48A5C5AE5E}" type="datetimeFigureOut">
               <a:rPr lang="en-US" smtClean="0"/>
-              <a:t>5/17/16</a:t>
+              <a:t>5/17/2016</a:t>
             </a:fld>
             <a:endParaRPr lang="en-US"/>
           </a:p>
@@ -2433,7 +2421,7 @@
           <a:p>
             <a:fld id="{0CD83863-CE2B-3348-B3AA-BE48A5C5AE5E}" type="datetimeFigureOut">
               <a:rPr lang="en-US" smtClean="0"/>
-              <a:t>5/17/16</a:t>
+              <a:t>5/17/2016</a:t>
             </a:fld>
             <a:endParaRPr lang="en-US"/>
           </a:p>
@@ -2536,10 +2524,9 @@
           </a:lstStyle>
           <a:p>
             <a:r>
-              <a:rPr lang="en-US" smtClean="0"/>
+              <a:rPr lang="en-US"/>
               <a:t>Click to edit Master title style</a:t>
             </a:r>
-            <a:endParaRPr lang="en-US"/>
           </a:p>
         </p:txBody>
       </p:sp>
@@ -2593,38 +2580,37 @@
           <a:p>
             <a:pPr lvl="0"/>
             <a:r>
-              <a:rPr lang="en-US" smtClean="0"/>
+              <a:rPr lang="en-US"/>
               <a:t>Click to edit Master text styles</a:t>
             </a:r>
           </a:p>
           <a:p>
             <a:pPr lvl="1"/>
             <a:r>
-              <a:rPr lang="en-US" smtClean="0"/>
+              <a:rPr lang="en-US"/>
               <a:t>Second level</a:t>
             </a:r>
           </a:p>
           <a:p>
             <a:pPr lvl="2"/>
             <a:r>
-              <a:rPr lang="en-US" smtClean="0"/>
+              <a:rPr lang="en-US"/>
               <a:t>Third level</a:t>
             </a:r>
           </a:p>
           <a:p>
             <a:pPr lvl="3"/>
             <a:r>
-              <a:rPr lang="en-US" smtClean="0"/>
+              <a:rPr lang="en-US"/>
               <a:t>Fourth level</a:t>
             </a:r>
           </a:p>
           <a:p>
             <a:pPr lvl="4"/>
             <a:r>
-              <a:rPr lang="en-US" smtClean="0"/>
+              <a:rPr lang="en-US"/>
               <a:t>Fifth level</a:t>
             </a:r>
-            <a:endParaRPr lang="en-US"/>
           </a:p>
         </p:txBody>
       </p:sp>
@@ -2687,7 +2673,7 @@
           <a:p>
             <a:pPr lvl="0"/>
             <a:r>
-              <a:rPr lang="en-US" smtClean="0"/>
+              <a:rPr lang="en-US"/>
               <a:t>Click to edit Master text styles</a:t>
             </a:r>
           </a:p>
@@ -2710,7 +2696,7 @@
           <a:p>
             <a:fld id="{0CD83863-CE2B-3348-B3AA-BE48A5C5AE5E}" type="datetimeFigureOut">
               <a:rPr lang="en-US" smtClean="0"/>
-              <a:t>5/17/16</a:t>
+              <a:t>5/17/2016</a:t>
             </a:fld>
             <a:endParaRPr lang="en-US"/>
           </a:p>
@@ -2813,10 +2799,9 @@
           </a:lstStyle>
           <a:p>
             <a:r>
-              <a:rPr lang="en-US" smtClean="0"/>
+              <a:rPr lang="en-US"/>
               <a:t>Click to edit Master title style</a:t>
             </a:r>
-            <a:endParaRPr lang="en-US"/>
           </a:p>
         </p:txBody>
       </p:sp>
@@ -2940,7 +2925,7 @@
           <a:p>
             <a:pPr lvl="0"/>
             <a:r>
-              <a:rPr lang="en-US" smtClean="0"/>
+              <a:rPr lang="en-US"/>
               <a:t>Click to edit Master text styles</a:t>
             </a:r>
           </a:p>
@@ -2963,7 +2948,7 @@
           <a:p>
             <a:fld id="{0CD83863-CE2B-3348-B3AA-BE48A5C5AE5E}" type="datetimeFigureOut">
               <a:rPr lang="en-US" smtClean="0"/>
-              <a:t>5/17/16</a:t>
+              <a:t>5/17/2016</a:t>
             </a:fld>
             <a:endParaRPr lang="en-US"/>
           </a:p>
@@ -3072,10 +3057,9 @@
           <a:lstStyle/>
           <a:p>
             <a:r>
-              <a:rPr lang="en-US" smtClean="0"/>
+              <a:rPr lang="en-US"/>
               <a:t>Click to edit Master title style</a:t>
             </a:r>
-            <a:endParaRPr lang="en-US"/>
           </a:p>
         </p:txBody>
       </p:sp>
@@ -3106,38 +3090,37 @@
           <a:p>
             <a:pPr lvl="0"/>
             <a:r>
-              <a:rPr lang="en-US" smtClean="0"/>
+              <a:rPr lang="en-US"/>
               <a:t>Click to edit Master text styles</a:t>
             </a:r>
           </a:p>
           <a:p>
             <a:pPr lvl="1"/>
             <a:r>
-              <a:rPr lang="en-US" smtClean="0"/>
+              <a:rPr lang="en-US"/>
               <a:t>Second level</a:t>
             </a:r>
           </a:p>
           <a:p>
             <a:pPr lvl="2"/>
             <a:r>
-              <a:rPr lang="en-US" smtClean="0"/>
+              <a:rPr lang="en-US"/>
               <a:t>Third level</a:t>
             </a:r>
           </a:p>
           <a:p>
             <a:pPr lvl="3"/>
             <a:r>
-              <a:rPr lang="en-US" smtClean="0"/>
+              <a:rPr lang="en-US"/>
               <a:t>Fourth level</a:t>
             </a:r>
           </a:p>
           <a:p>
             <a:pPr lvl="4"/>
             <a:r>
-              <a:rPr lang="en-US" smtClean="0"/>
+              <a:rPr lang="en-US"/>
               <a:t>Fifth level</a:t>
             </a:r>
-            <a:endParaRPr lang="en-US"/>
           </a:p>
         </p:txBody>
       </p:sp>
@@ -3176,7 +3159,7 @@
           <a:p>
             <a:fld id="{0CD83863-CE2B-3348-B3AA-BE48A5C5AE5E}" type="datetimeFigureOut">
               <a:rPr lang="en-US" smtClean="0"/>
-              <a:t>5/17/16</a:t>
+              <a:t>5/17/2016</a:t>
             </a:fld>
             <a:endParaRPr lang="en-US"/>
           </a:p>
@@ -3597,10 +3580,9 @@
           <a:lstStyle/>
           <a:p>
             <a:r>
-              <a:rPr lang="en-US" dirty="0" smtClean="0"/>
+              <a:rPr lang="en-US" dirty="0"/>
               <a:t>ASP.NET Core</a:t>
             </a:r>
-            <a:endParaRPr lang="en-US" dirty="0"/>
           </a:p>
         </p:txBody>
       </p:sp>
@@ -3620,10 +3602,9 @@
           <a:lstStyle/>
           <a:p>
             <a:r>
-              <a:rPr lang="en-US" dirty="0" smtClean="0"/>
+              <a:rPr lang="en-US" dirty="0"/>
               <a:t>Spencer Schneidenbach</a:t>
             </a:r>
-            <a:endParaRPr lang="en-US" dirty="0"/>
           </a:p>
         </p:txBody>
       </p:sp>
@@ -3637,13 +3618,6 @@
   <p:clrMapOvr>
     <a:masterClrMapping/>
   </p:clrMapOvr>
-  <p:timing>
-    <p:tnLst>
-      <p:par>
-        <p:cTn id="1" dur="indefinite" restart="never" nodeType="tmRoot"/>
-      </p:par>
-    </p:tnLst>
-  </p:timing>
 </p:sld>
 </file>
 
@@ -3674,11 +3648,20 @@
             <p:ph type="title"/>
           </p:nvPr>
         </p:nvSpPr>
-        <p:spPr/>
-        <p:txBody>
-          <a:bodyPr/>
-          <a:lstStyle/>
-          <a:p>
+        <p:spPr>
+          <a:xfrm>
+            <a:off x="838200" y="365125"/>
+            <a:ext cx="10515600" cy="819863"/>
+          </a:xfrm>
+        </p:spPr>
+        <p:txBody>
+          <a:bodyPr/>
+          <a:lstStyle/>
+          <a:p>
+            <a:r>
+              <a:rPr lang="en-US" dirty="0" err="1"/>
+              <a:t>Startup.cs</a:t>
+            </a:r>
             <a:endParaRPr lang="en-US" dirty="0"/>
           </a:p>
         </p:txBody>
@@ -3693,15 +3676,47 @@
             <p:ph idx="1"/>
           </p:nvPr>
         </p:nvSpPr>
-        <p:spPr/>
-        <p:txBody>
-          <a:bodyPr/>
-          <a:lstStyle/>
-          <a:p>
-            <a:endParaRPr lang="en-US"/>
-          </a:p>
-        </p:txBody>
-      </p:sp>
+        <p:spPr>
+          <a:xfrm>
+            <a:off x="838200" y="1184988"/>
+            <a:ext cx="10515600" cy="4991975"/>
+          </a:xfrm>
+        </p:spPr>
+        <p:txBody>
+          <a:bodyPr/>
+          <a:lstStyle/>
+          <a:p>
+            <a:r>
+              <a:rPr lang="en-US" dirty="0"/>
+              <a:t>Where services are registered and the application is configured</a:t>
+            </a:r>
+          </a:p>
+        </p:txBody>
+      </p:sp>
+      <p:pic>
+        <p:nvPicPr>
+          <p:cNvPr id="4" name="Picture 3"/>
+          <p:cNvPicPr>
+            <a:picLocks noChangeAspect="1"/>
+          </p:cNvPicPr>
+          <p:nvPr/>
+        </p:nvPicPr>
+        <p:blipFill>
+          <a:blip r:embed="rId2"/>
+          <a:stretch>
+            <a:fillRect/>
+          </a:stretch>
+        </p:blipFill>
+        <p:spPr>
+          <a:xfrm>
+            <a:off x="1106746" y="1752600"/>
+            <a:ext cx="9344025" cy="5105400"/>
+          </a:xfrm>
+          <a:prstGeom prst="rect">
+            <a:avLst/>
+          </a:prstGeom>
+        </p:spPr>
+      </p:pic>
     </p:spTree>
     <p:extLst>
       <p:ext uri="{BB962C8B-B14F-4D97-AF65-F5344CB8AC3E}">
@@ -3712,13 +3727,6 @@
   <p:clrMapOvr>
     <a:masterClrMapping/>
   </p:clrMapOvr>
-  <p:timing>
-    <p:tnLst>
-      <p:par>
-        <p:cTn id="1" dur="indefinite" restart="never" nodeType="tmRoot"/>
-      </p:par>
-    </p:tnLst>
-  </p:timing>
 </p:sld>
 </file>
 
@@ -3754,7 +3762,11 @@
           <a:bodyPr/>
           <a:lstStyle/>
           <a:p>
-            <a:endParaRPr lang="en-US"/>
+            <a:r>
+              <a:rPr lang="en-US" dirty="0" err="1"/>
+              <a:t>Program.cs</a:t>
+            </a:r>
+            <a:endParaRPr lang="en-US" dirty="0"/>
           </a:p>
         </p:txBody>
       </p:sp>
@@ -3773,10 +3785,37 @@
           <a:bodyPr/>
           <a:lstStyle/>
           <a:p>
-            <a:endParaRPr lang="en-US"/>
-          </a:p>
-        </p:txBody>
-      </p:sp>
+            <a:r>
+              <a:rPr lang="en-US" dirty="0"/>
+              <a:t>Unlike ASP.NET 4.6 apps, ASP.NET Core has a Main method!</a:t>
+            </a:r>
+          </a:p>
+        </p:txBody>
+      </p:sp>
+      <p:pic>
+        <p:nvPicPr>
+          <p:cNvPr id="4" name="Picture 3"/>
+          <p:cNvPicPr>
+            <a:picLocks noChangeAspect="1"/>
+          </p:cNvPicPr>
+          <p:nvPr/>
+        </p:nvPicPr>
+        <p:blipFill>
+          <a:blip r:embed="rId2"/>
+          <a:stretch>
+            <a:fillRect/>
+          </a:stretch>
+        </p:blipFill>
+        <p:spPr>
+          <a:xfrm>
+            <a:off x="1144541" y="2594721"/>
+            <a:ext cx="6029325" cy="3276600"/>
+          </a:xfrm>
+          <a:prstGeom prst="rect">
+            <a:avLst/>
+          </a:prstGeom>
+        </p:spPr>
+      </p:pic>
     </p:spTree>
     <p:extLst>
       <p:ext uri="{BB962C8B-B14F-4D97-AF65-F5344CB8AC3E}">
@@ -3787,13 +3826,6 @@
   <p:clrMapOvr>
     <a:masterClrMapping/>
   </p:clrMapOvr>
-  <p:timing>
-    <p:tnLst>
-      <p:par>
-        <p:cTn id="1" dur="indefinite" restart="never" nodeType="tmRoot"/>
-      </p:par>
-    </p:tnLst>
-  </p:timing>
 </p:sld>
 </file>
 
@@ -3829,7 +3861,10 @@
           <a:bodyPr/>
           <a:lstStyle/>
           <a:p>
-            <a:endParaRPr lang="en-US"/>
+            <a:r>
+              <a:rPr lang="en-US" dirty="0"/>
+              <a:t>Models</a:t>
+            </a:r>
           </a:p>
         </p:txBody>
       </p:sp>
@@ -3848,7 +3883,31 @@
           <a:bodyPr/>
           <a:lstStyle/>
           <a:p>
-            <a:endParaRPr lang="en-US"/>
+            <a:r>
+              <a:rPr lang="en-US" dirty="0"/>
+              <a:t>Where your </a:t>
+            </a:r>
+            <a:r>
+              <a:rPr lang="en-US" dirty="0" err="1"/>
+              <a:t>ViewModels</a:t>
+            </a:r>
+            <a:r>
+              <a:rPr lang="en-US" dirty="0"/>
+              <a:t> and DTOs live</a:t>
+            </a:r>
+          </a:p>
+          <a:p>
+            <a:r>
+              <a:rPr lang="en-US" dirty="0"/>
+              <a:t>Your domain objects should live elsewhere</a:t>
+            </a:r>
+          </a:p>
+          <a:p>
+            <a:pPr lvl="1"/>
+            <a:r>
+              <a:rPr lang="en-US" dirty="0"/>
+              <a:t>But that’s another show</a:t>
+            </a:r>
           </a:p>
         </p:txBody>
       </p:sp>
@@ -3966,18 +4025,9 @@
           <a:lstStyle/>
           <a:p>
             <a:r>
-              <a:rPr lang="en-US" dirty="0" smtClean="0"/>
-              <a:t>ASP.NET </a:t>
-            </a:r>
-            <a:r>
-              <a:rPr lang="en-US" dirty="0" smtClean="0"/>
-              <a:t>Core </a:t>
-            </a:r>
-            <a:r>
-              <a:rPr lang="en-US" dirty="0" smtClean="0"/>
-              <a:t>Goals</a:t>
-            </a:r>
-            <a:endParaRPr lang="en-US" dirty="0"/>
+              <a:rPr lang="en-US" dirty="0"/>
+              <a:t>ASP.NET Core Goals</a:t>
+            </a:r>
           </a:p>
         </p:txBody>
       </p:sp>
@@ -4011,19 +4061,14 @@
           <a:p>
             <a:r>
               <a:rPr lang="en-US" dirty="0"/>
-              <a:t>Provide cross-platform development </a:t>
-            </a:r>
-            <a:r>
-              <a:rPr lang="en-US" dirty="0" smtClean="0"/>
-              <a:t>experience</a:t>
-            </a:r>
-          </a:p>
-          <a:p>
-            <a:r>
-              <a:rPr lang="en-US" dirty="0" smtClean="0"/>
+              <a:t>Provide cross-platform development experience</a:t>
+            </a:r>
+          </a:p>
+          <a:p>
+            <a:r>
+              <a:rPr lang="en-US" dirty="0"/>
               <a:t>Faster, more scalable than current ASP.NET</a:t>
             </a:r>
-            <a:endParaRPr lang="en-US" dirty="0"/>
           </a:p>
           <a:p>
             <a:pPr lvl="1"/>
@@ -4033,51 +4078,18 @@
             </a:r>
             <a:r>
               <a:rPr lang="en-US" dirty="0"/>
-              <a:t> requests </a:t>
-            </a:r>
-            <a:r>
-              <a:rPr lang="en-US" dirty="0" smtClean="0"/>
-              <a:t>take ~30kb </a:t>
-            </a:r>
+              <a:t> requests take ~30kb of memory </a:t>
+            </a:r>
+            <a:r>
+              <a:rPr lang="en-US" u="sng" dirty="0"/>
+              <a:t>per request</a:t>
+            </a:r>
+          </a:p>
+          <a:p>
+            <a:pPr lvl="1"/>
             <a:r>
               <a:rPr lang="en-US" dirty="0"/>
-              <a:t>of </a:t>
-            </a:r>
-            <a:r>
-              <a:rPr lang="en-US" dirty="0" smtClean="0"/>
-              <a:t>memory </a:t>
-            </a:r>
-            <a:r>
-              <a:rPr lang="en-US" u="sng" dirty="0" smtClean="0"/>
-              <a:t>per request</a:t>
-            </a:r>
-            <a:endParaRPr lang="en-US" u="sng" dirty="0"/>
-          </a:p>
-          <a:p>
-            <a:pPr lvl="1"/>
-            <a:r>
-              <a:rPr lang="en-US" dirty="0" smtClean="0"/>
-              <a:t>ASP.NET </a:t>
-            </a:r>
-            <a:r>
-              <a:rPr lang="en-US" dirty="0" smtClean="0"/>
-              <a:t>Core </a:t>
-            </a:r>
-            <a:r>
-              <a:rPr lang="en-US" dirty="0" smtClean="0"/>
-              <a:t>– </a:t>
-            </a:r>
-            <a:r>
-              <a:rPr lang="en-US" dirty="0"/>
-              <a:t>around </a:t>
-            </a:r>
-            <a:r>
-              <a:rPr lang="en-US" dirty="0" smtClean="0"/>
-              <a:t>~</a:t>
-            </a:r>
-            <a:r>
-              <a:rPr lang="en-US" dirty="0" smtClean="0"/>
-              <a:t>2kb</a:t>
+              <a:t>ASP.NET Core – around ~2kb</a:t>
             </a:r>
           </a:p>
         </p:txBody>
@@ -4092,13 +4104,6 @@
   <p:clrMapOvr>
     <a:masterClrMapping/>
   </p:clrMapOvr>
-  <p:timing>
-    <p:tnLst>
-      <p:par>
-        <p:cTn id="1" dur="indefinite" restart="never" nodeType="tmRoot"/>
-      </p:par>
-    </p:tnLst>
-  </p:timing>
 </p:sld>
 </file>
 
@@ -4135,111 +4140,85 @@
           <a:lstStyle/>
           <a:p>
             <a:r>
-              <a:rPr lang="en-US" dirty="0" smtClean="0"/>
+              <a:rPr lang="en-US" dirty="0"/>
               <a:t>Let’s talk .NET Framework</a:t>
             </a:r>
+          </a:p>
+        </p:txBody>
+      </p:sp>
+      <p:sp>
+        <p:nvSpPr>
+          <p:cNvPr id="3" name="Content Placeholder 2"/>
+          <p:cNvSpPr>
+            <a:spLocks noGrp="1"/>
+          </p:cNvSpPr>
+          <p:nvPr>
+            <p:ph idx="1"/>
+          </p:nvPr>
+        </p:nvSpPr>
+        <p:spPr/>
+        <p:txBody>
+          <a:bodyPr/>
+          <a:lstStyle/>
+          <a:p>
+            <a:pPr lvl="0"/>
+            <a:r>
+              <a:rPr lang="en-US" dirty="0"/>
+              <a:t>.NET Core – open source, lightweight subset of .NET Framework</a:t>
+            </a:r>
+          </a:p>
+          <a:p>
+            <a:pPr lvl="1"/>
+            <a:r>
+              <a:rPr lang="en-US" dirty="0"/>
+              <a:t>Needed components delivered via </a:t>
+            </a:r>
+            <a:r>
+              <a:rPr lang="en-US" dirty="0" err="1"/>
+              <a:t>NuGet</a:t>
+            </a:r>
             <a:endParaRPr lang="en-US" dirty="0"/>
           </a:p>
-        </p:txBody>
-      </p:sp>
-      <p:sp>
-        <p:nvSpPr>
-          <p:cNvPr id="3" name="Content Placeholder 2"/>
-          <p:cNvSpPr>
-            <a:spLocks noGrp="1"/>
-          </p:cNvSpPr>
-          <p:nvPr>
-            <p:ph idx="1"/>
-          </p:nvPr>
-        </p:nvSpPr>
-        <p:spPr/>
-        <p:txBody>
-          <a:bodyPr/>
-          <a:lstStyle/>
+          <a:p>
+            <a:pPr lvl="2"/>
+            <a:r>
+              <a:rPr lang="en-US" dirty="0"/>
+              <a:t>More iterative updates</a:t>
+            </a:r>
+          </a:p>
+          <a:p>
+            <a:pPr lvl="2"/>
+            <a:r>
+              <a:rPr lang="en-US" dirty="0"/>
+              <a:t>Deployed with your app</a:t>
+            </a:r>
+          </a:p>
+          <a:p>
+            <a:pPr lvl="1"/>
+            <a:r>
+              <a:rPr lang="en-US" dirty="0"/>
+              <a:t>Aims to be pure re-implementation of .NET Framework…someday</a:t>
+            </a:r>
+          </a:p>
+          <a:p>
+            <a:pPr lvl="1"/>
+            <a:r>
+              <a:rPr lang="en-US" dirty="0"/>
+              <a:t>Cross-platform</a:t>
+            </a:r>
+          </a:p>
           <a:p>
             <a:pPr lvl="0"/>
             <a:r>
               <a:rPr lang="en-US" dirty="0"/>
-              <a:t>.NET Core – open source, lightweight subset of .NET </a:t>
-            </a:r>
-            <a:r>
-              <a:rPr lang="en-US" dirty="0" smtClean="0"/>
-              <a:t>Framework</a:t>
+              <a:t>.NET Framework</a:t>
             </a:r>
           </a:p>
           <a:p>
             <a:pPr lvl="1"/>
             <a:r>
-              <a:rPr lang="en-US" dirty="0" smtClean="0"/>
-              <a:t>Needed </a:t>
-            </a:r>
-            <a:r>
               <a:rPr lang="en-US" dirty="0"/>
-              <a:t>components delivered via </a:t>
-            </a:r>
-            <a:r>
-              <a:rPr lang="en-US" dirty="0" err="1" smtClean="0"/>
-              <a:t>NuGet</a:t>
-            </a:r>
-            <a:endParaRPr lang="en-US" dirty="0" smtClean="0"/>
-          </a:p>
-          <a:p>
-            <a:pPr lvl="2"/>
-            <a:r>
-              <a:rPr lang="en-US" dirty="0" smtClean="0"/>
-              <a:t>More iterative updates</a:t>
-            </a:r>
-          </a:p>
-          <a:p>
-            <a:pPr lvl="2"/>
-            <a:r>
-              <a:rPr lang="en-US" dirty="0" smtClean="0"/>
-              <a:t>Deployed with your app</a:t>
-            </a:r>
-          </a:p>
-          <a:p>
-            <a:pPr lvl="1"/>
-            <a:r>
-              <a:rPr lang="en-US" dirty="0" smtClean="0"/>
-              <a:t>Aims </a:t>
-            </a:r>
-            <a:r>
-              <a:rPr lang="en-US" dirty="0"/>
-              <a:t>to be pure re-implementation of </a:t>
-            </a:r>
-            <a:r>
-              <a:rPr lang="en-US" dirty="0" smtClean="0"/>
-              <a:t>.NET Framework…someday</a:t>
-            </a:r>
-          </a:p>
-          <a:p>
-            <a:pPr lvl="1"/>
-            <a:r>
-              <a:rPr lang="en-US" dirty="0" smtClean="0"/>
-              <a:t>Cross-platform</a:t>
-            </a:r>
-            <a:endParaRPr lang="en-US" dirty="0"/>
-          </a:p>
-          <a:p>
-            <a:pPr lvl="0"/>
-            <a:r>
-              <a:rPr lang="en-US" dirty="0"/>
-              <a:t>.NET </a:t>
-            </a:r>
-            <a:r>
-              <a:rPr lang="en-US" dirty="0" smtClean="0"/>
-              <a:t>Framework</a:t>
-            </a:r>
-          </a:p>
-          <a:p>
-            <a:pPr lvl="1"/>
-            <a:r>
-              <a:rPr lang="en-US" dirty="0" smtClean="0"/>
-              <a:t>You </a:t>
-            </a:r>
-            <a:r>
-              <a:rPr lang="en-US" dirty="0"/>
-              <a:t>can still use full .NET Framework if you need stuff like </a:t>
+              <a:t>You can still use full .NET Framework if you need stuff like </a:t>
             </a:r>
             <a:r>
               <a:rPr lang="en-US" dirty="0" err="1"/>
@@ -4247,20 +4226,15 @@
             </a:r>
             <a:r>
               <a:rPr lang="en-US" dirty="0"/>
-              <a:t> or other </a:t>
-            </a:r>
-            <a:r>
-              <a:rPr lang="en-US" dirty="0" smtClean="0"/>
-              <a:t>full-framework specific libraries</a:t>
+              <a:t> or other full-framework specific libraries</a:t>
             </a:r>
           </a:p>
           <a:p>
             <a:pPr lvl="1"/>
             <a:r>
-              <a:rPr lang="en-US" dirty="0" smtClean="0"/>
+              <a:rPr lang="en-US" dirty="0"/>
               <a:t>Requires Windows</a:t>
             </a:r>
-            <a:endParaRPr lang="en-US" dirty="0"/>
           </a:p>
         </p:txBody>
       </p:sp>
@@ -4274,13 +4248,6 @@
   <p:clrMapOvr>
     <a:masterClrMapping/>
   </p:clrMapOvr>
-  <p:timing>
-    <p:tnLst>
-      <p:par>
-        <p:cTn id="1" dur="indefinite" restart="never" nodeType="tmRoot"/>
-      </p:par>
-    </p:tnLst>
-  </p:timing>
 </p:sld>
 </file>
 
@@ -4319,48 +4286,27 @@
           <a:lstStyle/>
           <a:p>
             <a:r>
-              <a:rPr lang="en-US" dirty="0" smtClean="0"/>
+              <a:rPr lang="en-US" dirty="0"/>
               <a:t>The times, they are </a:t>
             </a:r>
             <a:r>
-              <a:rPr lang="en-US" dirty="0" err="1" smtClean="0"/>
+              <a:rPr lang="en-US" dirty="0" err="1"/>
               <a:t>a’changing</a:t>
             </a:r>
             <a:r>
-              <a:rPr lang="en-US" dirty="0" smtClean="0"/>
+              <a:rPr lang="en-US" dirty="0"/>
               <a:t>’</a:t>
             </a:r>
             <a:br>
-              <a:rPr lang="en-US" dirty="0" smtClean="0"/>
+              <a:rPr lang="en-US" dirty="0"/>
             </a:br>
-            <a:r>
-              <a:rPr lang="en-US" sz="2400" dirty="0" smtClean="0"/>
-              <a:t/>
-            </a:r>
             <a:br>
-              <a:rPr lang="en-US" sz="2400" dirty="0" smtClean="0"/>
+              <a:rPr lang="en-US" sz="2400" dirty="0"/>
             </a:br>
             <a:r>
-              <a:rPr lang="en-US" sz="2400" dirty="0" smtClean="0"/>
-              <a:t>	ASP.NET </a:t>
-            </a:r>
-            <a:r>
-              <a:rPr lang="en-US" sz="2400" dirty="0" smtClean="0"/>
-              <a:t>Core</a:t>
-            </a:r>
-            <a:r>
-              <a:rPr lang="en-US" sz="2400" dirty="0" smtClean="0"/>
-              <a:t>			</a:t>
-            </a:r>
-            <a:r>
-              <a:rPr lang="en-US" sz="2400" dirty="0" smtClean="0"/>
-              <a:t>            Current </a:t>
-            </a:r>
-            <a:r>
-              <a:rPr lang="en-US" sz="2400" dirty="0" smtClean="0"/>
-              <a:t>ASP.NET</a:t>
-            </a:r>
-            <a:endParaRPr lang="en-US" sz="2400" dirty="0"/>
+              <a:rPr lang="en-US" sz="2400" dirty="0"/>
+              <a:t>	ASP.NET Core			            Current ASP.NET</a:t>
+            </a:r>
           </a:p>
         </p:txBody>
       </p:sp>
@@ -4380,10 +4326,9 @@
           <a:lstStyle/>
           <a:p>
             <a:r>
-              <a:rPr lang="en-US" dirty="0" smtClean="0"/>
+              <a:rPr lang="en-US" dirty="0"/>
               <a:t>What’s The Same</a:t>
             </a:r>
-            <a:endParaRPr lang="en-US" dirty="0"/>
           </a:p>
         </p:txBody>
       </p:sp>
@@ -4403,16 +4348,15 @@
           <a:lstStyle/>
           <a:p>
             <a:r>
-              <a:rPr lang="en-US" dirty="0" smtClean="0"/>
+              <a:rPr lang="en-US" dirty="0"/>
               <a:t>C#</a:t>
             </a:r>
           </a:p>
           <a:p>
             <a:r>
-              <a:rPr lang="en-US" dirty="0" smtClean="0"/>
+              <a:rPr lang="en-US" dirty="0"/>
               <a:t>.NET Framework</a:t>
             </a:r>
-            <a:endParaRPr lang="en-US" dirty="0"/>
           </a:p>
         </p:txBody>
       </p:sp>
@@ -4432,10 +4376,9 @@
           <a:lstStyle/>
           <a:p>
             <a:r>
-              <a:rPr lang="en-US" dirty="0" smtClean="0"/>
+              <a:rPr lang="en-US" dirty="0"/>
               <a:t>What’s Different</a:t>
             </a:r>
-            <a:endParaRPr lang="en-US" dirty="0"/>
           </a:p>
         </p:txBody>
       </p:sp>
@@ -4457,69 +4400,69 @@
           <a:lstStyle/>
           <a:p>
             <a:r>
-              <a:rPr lang="en-US" dirty="0" smtClean="0"/>
+              <a:rPr lang="en-US" dirty="0"/>
               <a:t>No VB.NET</a:t>
             </a:r>
           </a:p>
           <a:p>
             <a:r>
-              <a:rPr lang="en-US" dirty="0" smtClean="0"/>
+              <a:rPr lang="en-US" dirty="0"/>
               <a:t>No Web Forms</a:t>
             </a:r>
           </a:p>
           <a:p>
             <a:r>
-              <a:rPr lang="en-US" dirty="0" smtClean="0"/>
+              <a:rPr lang="en-US" dirty="0"/>
               <a:t>.NET Core</a:t>
             </a:r>
           </a:p>
           <a:p>
             <a:r>
-              <a:rPr lang="en-US" dirty="0" smtClean="0"/>
+              <a:rPr lang="en-US" dirty="0"/>
               <a:t>Roslyn compiler</a:t>
             </a:r>
           </a:p>
           <a:p>
             <a:r>
-              <a:rPr lang="en-US" dirty="0" smtClean="0"/>
+              <a:rPr lang="en-US" dirty="0"/>
               <a:t>Cross-platform</a:t>
             </a:r>
           </a:p>
           <a:p>
             <a:r>
-              <a:rPr lang="en-US" dirty="0" smtClean="0"/>
+              <a:rPr lang="en-US" dirty="0"/>
               <a:t>Slightly different APIs</a:t>
             </a:r>
           </a:p>
           <a:p>
             <a:r>
-              <a:rPr lang="en-US" dirty="0" smtClean="0"/>
+              <a:rPr lang="en-US" dirty="0"/>
               <a:t>No </a:t>
             </a:r>
             <a:r>
-              <a:rPr lang="en-US" dirty="0" err="1" smtClean="0"/>
+              <a:rPr lang="en-US" dirty="0" err="1"/>
               <a:t>Web.config</a:t>
             </a:r>
-            <a:endParaRPr lang="en-US" dirty="0" smtClean="0"/>
-          </a:p>
-          <a:p>
-            <a:r>
-              <a:rPr lang="en-US" dirty="0" smtClean="0"/>
+            <a:endParaRPr lang="en-US" dirty="0"/>
+          </a:p>
+          <a:p>
+            <a:r>
+              <a:rPr lang="en-US" dirty="0"/>
               <a:t>No </a:t>
             </a:r>
             <a:r>
-              <a:rPr lang="en-US" dirty="0" err="1" smtClean="0"/>
+              <a:rPr lang="en-US" dirty="0" err="1"/>
               <a:t>Global.asax</a:t>
             </a:r>
-            <a:endParaRPr lang="en-US" dirty="0" smtClean="0"/>
-          </a:p>
-          <a:p>
-            <a:r>
-              <a:rPr lang="en-US" dirty="0" smtClean="0"/>
+            <a:endParaRPr lang="en-US" dirty="0"/>
+          </a:p>
+          <a:p>
+            <a:r>
+              <a:rPr lang="en-US" dirty="0"/>
               <a:t>No dependency on </a:t>
             </a:r>
             <a:r>
-              <a:rPr lang="en-US" dirty="0" err="1" smtClean="0"/>
+              <a:rPr lang="en-US" dirty="0" err="1"/>
               <a:t>MSBuild</a:t>
             </a:r>
             <a:endParaRPr lang="en-US" dirty="0"/>
@@ -4536,13 +4479,6 @@
   <p:clrMapOvr>
     <a:masterClrMapping/>
   </p:clrMapOvr>
-  <p:timing>
-    <p:tnLst>
-      <p:par>
-        <p:cTn id="1" dur="indefinite" restart="never" nodeType="tmRoot"/>
-      </p:par>
-    </p:tnLst>
-  </p:timing>
 </p:sld>
 </file>
 
@@ -4579,68 +4515,61 @@
           <a:lstStyle/>
           <a:p>
             <a:r>
-              <a:rPr lang="en-US" dirty="0" smtClean="0"/>
+              <a:rPr lang="en-US" dirty="0"/>
               <a:t>Web Forms</a:t>
             </a:r>
+          </a:p>
+        </p:txBody>
+      </p:sp>
+      <p:sp>
+        <p:nvSpPr>
+          <p:cNvPr id="3" name="Content Placeholder 2"/>
+          <p:cNvSpPr>
+            <a:spLocks noGrp="1"/>
+          </p:cNvSpPr>
+          <p:nvPr>
+            <p:ph idx="1"/>
+          </p:nvPr>
+        </p:nvSpPr>
+        <p:spPr/>
+        <p:txBody>
+          <a:bodyPr/>
+          <a:lstStyle/>
+          <a:p>
+            <a:r>
+              <a:rPr lang="en-US" dirty="0"/>
+              <a:t>Web Forms isn’t a technology in ASP.NET Core</a:t>
+            </a:r>
+          </a:p>
+          <a:p>
+            <a:r>
+              <a:rPr lang="en-US" dirty="0"/>
+              <a:t>It’s still being updated and supported</a:t>
+            </a:r>
+          </a:p>
+          <a:p>
+            <a:pPr lvl="1"/>
+            <a:r>
+              <a:rPr lang="en-US" dirty="0"/>
+              <a:t>Still needs </a:t>
+            </a:r>
+            <a:r>
+              <a:rPr lang="en-US" dirty="0" err="1"/>
+              <a:t>System.Web</a:t>
+            </a:r>
             <a:endParaRPr lang="en-US" dirty="0"/>
           </a:p>
-        </p:txBody>
-      </p:sp>
-      <p:sp>
-        <p:nvSpPr>
-          <p:cNvPr id="3" name="Content Placeholder 2"/>
-          <p:cNvSpPr>
-            <a:spLocks noGrp="1"/>
-          </p:cNvSpPr>
-          <p:nvPr>
-            <p:ph idx="1"/>
-          </p:nvPr>
-        </p:nvSpPr>
-        <p:spPr/>
-        <p:txBody>
-          <a:bodyPr/>
-          <a:lstStyle/>
-          <a:p>
-            <a:r>
-              <a:rPr lang="en-US" dirty="0" smtClean="0"/>
-              <a:t>Web Forms isn’t a technology in ASP.NET </a:t>
-            </a:r>
-            <a:r>
-              <a:rPr lang="en-US" dirty="0" smtClean="0"/>
-              <a:t>Core</a:t>
-            </a:r>
-            <a:endParaRPr lang="en-US" dirty="0" smtClean="0"/>
-          </a:p>
-          <a:p>
-            <a:r>
-              <a:rPr lang="en-US" dirty="0" smtClean="0"/>
-              <a:t>It’s still being updated and supported</a:t>
-            </a:r>
-            <a:endParaRPr lang="en-US" dirty="0"/>
-          </a:p>
           <a:p>
             <a:pPr lvl="1"/>
             <a:r>
-              <a:rPr lang="en-US" dirty="0" smtClean="0"/>
-              <a:t>Still needs </a:t>
-            </a:r>
-            <a:r>
-              <a:rPr lang="en-US" dirty="0" err="1" smtClean="0"/>
-              <a:t>System.Web</a:t>
-            </a:r>
-            <a:endParaRPr lang="en-US" dirty="0" smtClean="0"/>
+              <a:rPr lang="en-US" dirty="0"/>
+              <a:t>Still needs IIS</a:t>
+            </a:r>
           </a:p>
           <a:p>
             <a:pPr lvl="1"/>
             <a:r>
-              <a:rPr lang="en-US" dirty="0" smtClean="0"/>
-              <a:t>Still needs IIS</a:t>
-            </a:r>
-          </a:p>
-          <a:p>
-            <a:pPr lvl="1"/>
-            <a:r>
-              <a:rPr lang="en-US" dirty="0" smtClean="0"/>
+              <a:rPr lang="en-US" dirty="0"/>
               <a:t>Still needs Visual Studio</a:t>
             </a:r>
           </a:p>
@@ -4656,13 +4585,6 @@
   <p:clrMapOvr>
     <a:masterClrMapping/>
   </p:clrMapOvr>
-  <p:timing>
-    <p:tnLst>
-      <p:par>
-        <p:cTn id="1" dur="indefinite" restart="never" nodeType="tmRoot"/>
-      </p:par>
-    </p:tnLst>
-  </p:timing>
 </p:sld>
 </file>
 
@@ -4699,10 +4621,9 @@
           <a:lstStyle/>
           <a:p>
             <a:r>
-              <a:rPr lang="en-US" dirty="0" smtClean="0"/>
+              <a:rPr lang="en-US" dirty="0"/>
               <a:t>Current MVC 5/Web API 2 Apps</a:t>
             </a:r>
-            <a:endParaRPr lang="en-US" dirty="0"/>
           </a:p>
         </p:txBody>
       </p:sp>
@@ -4722,26 +4643,26 @@
           <a:lstStyle/>
           <a:p>
             <a:r>
-              <a:rPr lang="en-US" dirty="0" smtClean="0"/>
+              <a:rPr lang="en-US" dirty="0"/>
               <a:t>No direct upgrade path</a:t>
             </a:r>
           </a:p>
           <a:p>
             <a:pPr lvl="1"/>
             <a:r>
-              <a:rPr lang="en-US" dirty="0" smtClean="0"/>
+              <a:rPr lang="en-US" dirty="0"/>
               <a:t>Create new project and copy over code</a:t>
             </a:r>
           </a:p>
           <a:p>
             <a:r>
-              <a:rPr lang="en-US" dirty="0" smtClean="0"/>
+              <a:rPr lang="en-US" dirty="0"/>
               <a:t>APIs between the two differ slightly</a:t>
             </a:r>
           </a:p>
           <a:p>
             <a:r>
-              <a:rPr lang="en-US" dirty="0" smtClean="0"/>
+              <a:rPr lang="en-US" dirty="0"/>
               <a:t>Otherwise, it’s a very familiar experience</a:t>
             </a:r>
           </a:p>
@@ -4757,13 +4678,6 @@
   <p:clrMapOvr>
     <a:masterClrMapping/>
   </p:clrMapOvr>
-  <p:timing>
-    <p:tnLst>
-      <p:par>
-        <p:cTn id="1" dur="indefinite" restart="never" nodeType="tmRoot"/>
-      </p:par>
-    </p:tnLst>
-  </p:timing>
 </p:sld>
 </file>
 
@@ -4799,24 +4713,73 @@
           <a:bodyPr/>
           <a:lstStyle/>
           <a:p>
+            <a:r>
+              <a:rPr lang="en-US" dirty="0"/>
+              <a:t>Let’s go over the project structure</a:t>
+            </a:r>
+          </a:p>
+        </p:txBody>
+      </p:sp>
+      <p:sp>
+        <p:nvSpPr>
+          <p:cNvPr id="3" name="Content Placeholder 2"/>
+          <p:cNvSpPr>
+            <a:spLocks noGrp="1"/>
+          </p:cNvSpPr>
+          <p:nvPr>
+            <p:ph idx="1"/>
+          </p:nvPr>
+        </p:nvSpPr>
+        <p:spPr/>
+        <p:txBody>
+          <a:bodyPr/>
+          <a:lstStyle/>
+          <a:p>
+            <a:r>
+              <a:rPr lang="en-US" dirty="0" err="1"/>
+              <a:t>wwwroot</a:t>
+            </a:r>
             <a:endParaRPr lang="en-US" dirty="0"/>
           </a:p>
-        </p:txBody>
-      </p:sp>
-      <p:sp>
-        <p:nvSpPr>
-          <p:cNvPr id="3" name="Content Placeholder 2"/>
-          <p:cNvSpPr>
-            <a:spLocks noGrp="1"/>
-          </p:cNvSpPr>
-          <p:nvPr>
-            <p:ph idx="1"/>
-          </p:nvPr>
-        </p:nvSpPr>
-        <p:spPr/>
-        <p:txBody>
-          <a:bodyPr/>
-          <a:lstStyle/>
+          <a:p>
+            <a:r>
+              <a:rPr lang="en-US" dirty="0" err="1"/>
+              <a:t>project.json</a:t>
+            </a:r>
+            <a:endParaRPr lang="en-US" dirty="0"/>
+          </a:p>
+          <a:p>
+            <a:r>
+              <a:rPr lang="en-US" dirty="0" err="1"/>
+              <a:t>Startup.cs</a:t>
+            </a:r>
+            <a:endParaRPr lang="en-US" dirty="0"/>
+          </a:p>
+          <a:p>
+            <a:r>
+              <a:rPr lang="en-US" dirty="0" err="1"/>
+              <a:t>Program.cs</a:t>
+            </a:r>
+            <a:endParaRPr lang="en-US" dirty="0"/>
+          </a:p>
+          <a:p>
+            <a:r>
+              <a:rPr lang="en-US" dirty="0"/>
+              <a:t>Models</a:t>
+            </a:r>
+          </a:p>
+          <a:p>
+            <a:r>
+              <a:rPr lang="en-US" dirty="0"/>
+              <a:t>Controllers</a:t>
+            </a:r>
+          </a:p>
+          <a:p>
+            <a:r>
+              <a:rPr lang="en-US" dirty="0"/>
+              <a:t>Views</a:t>
+            </a:r>
+          </a:p>
           <a:p>
             <a:endParaRPr lang="en-US" dirty="0"/>
           </a:p>
@@ -4832,13 +4795,6 @@
   <p:clrMapOvr>
     <a:masterClrMapping/>
   </p:clrMapOvr>
-  <p:timing>
-    <p:tnLst>
-      <p:par>
-        <p:cTn id="1" dur="indefinite" restart="never" nodeType="tmRoot"/>
-      </p:par>
-    </p:tnLst>
-  </p:timing>
 </p:sld>
 </file>
 
@@ -4875,7 +4831,7 @@
           <a:lstStyle/>
           <a:p>
             <a:r>
-              <a:rPr lang="en-US" dirty="0" err="1" smtClean="0"/>
+              <a:rPr lang="en-US" dirty="0" err="1"/>
               <a:t>wwwroot</a:t>
             </a:r>
             <a:endParaRPr lang="en-US" dirty="0"/>
@@ -4898,22 +4854,21 @@
           <a:lstStyle/>
           <a:p>
             <a:r>
-              <a:rPr lang="en-US" dirty="0" smtClean="0"/>
+              <a:rPr lang="en-US" dirty="0"/>
               <a:t>Where all static files go</a:t>
             </a:r>
           </a:p>
           <a:p>
             <a:r>
-              <a:rPr lang="en-US" dirty="0" smtClean="0"/>
+              <a:rPr lang="en-US" dirty="0"/>
               <a:t>No longer mixed into the root of the project</a:t>
             </a:r>
           </a:p>
           <a:p>
             <a:r>
-              <a:rPr lang="en-US" dirty="0" smtClean="0"/>
+              <a:rPr lang="en-US" dirty="0"/>
               <a:t>A welcome change!</a:t>
             </a:r>
-            <a:endParaRPr lang="en-US" dirty="0"/>
           </a:p>
         </p:txBody>
       </p:sp>
@@ -4951,13 +4906,6 @@
   <p:clrMapOvr>
     <a:masterClrMapping/>
   </p:clrMapOvr>
-  <p:timing>
-    <p:tnLst>
-      <p:par>
-        <p:cTn id="1" dur="indefinite" restart="never" nodeType="tmRoot"/>
-      </p:par>
-    </p:tnLst>
-  </p:timing>
 </p:sld>
 </file>
 
@@ -4994,7 +4942,7 @@
           <a:lstStyle/>
           <a:p>
             <a:r>
-              <a:rPr lang="en-US" dirty="0" err="1" smtClean="0"/>
+              <a:rPr lang="en-US" dirty="0" err="1"/>
               <a:t>project.json</a:t>
             </a:r>
             <a:endParaRPr lang="en-US" dirty="0"/>
@@ -5022,24 +4970,24 @@
           <a:lstStyle/>
           <a:p>
             <a:r>
-              <a:rPr lang="en-US" dirty="0" smtClean="0"/>
+              <a:rPr lang="en-US" dirty="0"/>
               <a:t>Replaces </a:t>
             </a:r>
             <a:r>
-              <a:rPr lang="en-US" dirty="0" err="1" smtClean="0"/>
+              <a:rPr lang="en-US" dirty="0" err="1"/>
               <a:t>packages.config</a:t>
             </a:r>
             <a:endParaRPr lang="en-US" dirty="0"/>
           </a:p>
           <a:p>
             <a:r>
-              <a:rPr lang="en-US" dirty="0" smtClean="0"/>
+              <a:rPr lang="en-US" dirty="0"/>
               <a:t>General project configuration</a:t>
             </a:r>
           </a:p>
           <a:p>
             <a:r>
-              <a:rPr lang="en-US" dirty="0" smtClean="0"/>
+              <a:rPr lang="en-US" dirty="0"/>
               <a:t>Server-side dependencies</a:t>
             </a:r>
           </a:p>
@@ -5381,7 +5329,7 @@
           <a:p>
             <a:pPr algn="ctr"/>
             <a:r>
-              <a:rPr lang="en-US" sz="19900" dirty="0" err="1" smtClean="0">
+              <a:rPr lang="en-US" sz="19900" dirty="0" err="1">
                 <a:ln w="0">
                   <a:noFill/>
                 </a:ln>
@@ -5420,14 +5368,6 @@
   <p:clrMapOvr>
     <a:masterClrMapping/>
   </p:clrMapOvr>
-  <mc:AlternateContent xmlns:mc="http://schemas.openxmlformats.org/markup-compatibility/2006">
-    <mc:Choice xmlns:p14="http://schemas.microsoft.com/office/powerpoint/2010/main" Requires="p14">
-      <p:transition p14:dur="0"/>
-    </mc:Choice>
-    <mc:Fallback>
-      <p:transition/>
-    </mc:Fallback>
-  </mc:AlternateContent>
   <p:timing>
     <p:tnLst>
       <p:par>
